--- a/CSCI-111/week-5/week-5-lecture.pptx
+++ b/CSCI-111/week-5/week-5-lecture.pptx
@@ -24,6 +24,7 @@
     <p:sldId id="269" r:id="rId19"/>
     <p:sldId id="270" r:id="rId20"/>
     <p:sldId id="271" r:id="rId21"/>
+    <p:sldId id="272" r:id="rId22"/>
   </p:sldIdLst>
   <p:sldSz cy="5143500" cx="9144000"/>
   <p:notesSz cx="6858000" cy="9144000"/>
@@ -272,7 +273,7 @@
       </p15:sldGuideLst>
     </p:ext>
     <p:ext uri="GoogleSlidesCustomDataVersion2">
-      <go:slidesCustomData xmlns:go="http://customooxmlschemas.google.com/" r:id="rId22" roundtripDataSignature="AMtx7mgm2xiwpyEY+N6OOjVqBoFAm+Xd/g=="/>
+      <go:slidesCustomData xmlns:go="http://customooxmlschemas.google.com/" r:id="rId23" roundtripDataSignature="AMtx7miYso531rxTqNmtKcSm54O07yrmmg=="/>
     </p:ext>
   </p:extLst>
 </p:presentation>
@@ -961,7 +962,7 @@
   <p:cSld>
     <p:spTree>
       <p:nvGrpSpPr>
-        <p:cNvPr id="111" name="Shape 111"/>
+        <p:cNvPr id="113" name="Shape 113"/>
         <p:cNvGrpSpPr/>
         <p:nvPr/>
       </p:nvGrpSpPr>
@@ -975,7 +976,7 @@
       </p:grpSpPr>
       <p:sp>
         <p:nvSpPr>
-          <p:cNvPr id="112" name="Google Shape;112;g2fd87296955_0_87:notes"/>
+          <p:cNvPr id="114" name="Google Shape;114;g2fd87296955_0_87:notes"/>
           <p:cNvSpPr/>
           <p:nvPr>
             <p:ph idx="2" type="sldImg"/>
@@ -1020,7 +1021,7 @@
       </p:sp>
       <p:sp>
         <p:nvSpPr>
-          <p:cNvPr id="113" name="Google Shape;113;g2fd87296955_0_87:notes"/>
+          <p:cNvPr id="115" name="Google Shape;115;g2fd87296955_0_87:notes"/>
           <p:cNvSpPr txBox="1"/>
           <p:nvPr>
             <p:ph idx="1" type="body"/>
@@ -1078,7 +1079,7 @@
   <p:cSld>
     <p:spTree>
       <p:nvGrpSpPr>
-        <p:cNvPr id="117" name="Shape 117"/>
+        <p:cNvPr id="120" name="Shape 120"/>
         <p:cNvGrpSpPr/>
         <p:nvPr/>
       </p:nvGrpSpPr>
@@ -1092,7 +1093,7 @@
       </p:grpSpPr>
       <p:sp>
         <p:nvSpPr>
-          <p:cNvPr id="118" name="Google Shape;118;g2fd87296955_0_47:notes"/>
+          <p:cNvPr id="121" name="Google Shape;121;g2fd87296955_0_47:notes"/>
           <p:cNvSpPr/>
           <p:nvPr>
             <p:ph idx="2" type="sldImg"/>
@@ -1127,7 +1128,7 @@
       </p:sp>
       <p:sp>
         <p:nvSpPr>
-          <p:cNvPr id="119" name="Google Shape;119;g2fd87296955_0_47:notes"/>
+          <p:cNvPr id="122" name="Google Shape;122;g2fd87296955_0_47:notes"/>
           <p:cNvSpPr txBox="1"/>
           <p:nvPr>
             <p:ph idx="1" type="body"/>
@@ -1177,7 +1178,7 @@
   <p:cSld>
     <p:spTree>
       <p:nvGrpSpPr>
-        <p:cNvPr id="123" name="Shape 123"/>
+        <p:cNvPr id="126" name="Shape 126"/>
         <p:cNvGrpSpPr/>
         <p:nvPr/>
       </p:nvGrpSpPr>
@@ -1191,7 +1192,7 @@
       </p:grpSpPr>
       <p:sp>
         <p:nvSpPr>
-          <p:cNvPr id="124" name="Google Shape;124;g2fd87296955_0_96:notes"/>
+          <p:cNvPr id="127" name="Google Shape;127;g2fd87296955_0_96:notes"/>
           <p:cNvSpPr/>
           <p:nvPr>
             <p:ph idx="2" type="sldImg"/>
@@ -1226,7 +1227,7 @@
       </p:sp>
       <p:sp>
         <p:nvSpPr>
-          <p:cNvPr id="125" name="Google Shape;125;g2fd87296955_0_96:notes"/>
+          <p:cNvPr id="128" name="Google Shape;128;g2fd87296955_0_96:notes"/>
           <p:cNvSpPr txBox="1"/>
           <p:nvPr>
             <p:ph idx="1" type="body"/>
@@ -1276,7 +1277,7 @@
   <p:cSld>
     <p:spTree>
       <p:nvGrpSpPr>
-        <p:cNvPr id="132" name="Shape 132"/>
+        <p:cNvPr id="135" name="Shape 135"/>
         <p:cNvGrpSpPr/>
         <p:nvPr/>
       </p:nvGrpSpPr>
@@ -1290,7 +1291,7 @@
       </p:grpSpPr>
       <p:sp>
         <p:nvSpPr>
-          <p:cNvPr id="133" name="Google Shape;133;g2fd87296955_0_101:notes"/>
+          <p:cNvPr id="136" name="Google Shape;136;g2fd87296955_0_101:notes"/>
           <p:cNvSpPr/>
           <p:nvPr>
             <p:ph idx="2" type="sldImg"/>
@@ -1325,7 +1326,7 @@
       </p:sp>
       <p:sp>
         <p:nvSpPr>
-          <p:cNvPr id="134" name="Google Shape;134;g2fd87296955_0_101:notes"/>
+          <p:cNvPr id="137" name="Google Shape;137;g2fd87296955_0_101:notes"/>
           <p:cNvSpPr txBox="1"/>
           <p:nvPr>
             <p:ph idx="1" type="body"/>
@@ -1375,7 +1376,7 @@
   <p:cSld>
     <p:spTree>
       <p:nvGrpSpPr>
-        <p:cNvPr id="140" name="Shape 140"/>
+        <p:cNvPr id="144" name="Shape 144"/>
         <p:cNvGrpSpPr/>
         <p:nvPr/>
       </p:nvGrpSpPr>
@@ -1389,7 +1390,7 @@
       </p:grpSpPr>
       <p:sp>
         <p:nvSpPr>
-          <p:cNvPr id="141" name="Google Shape;141;g2fd87296955_0_106:notes"/>
+          <p:cNvPr id="145" name="Google Shape;145;g2fd87296955_0_106:notes"/>
           <p:cNvSpPr/>
           <p:nvPr>
             <p:ph idx="2" type="sldImg"/>
@@ -1424,7 +1425,7 @@
       </p:sp>
       <p:sp>
         <p:nvSpPr>
-          <p:cNvPr id="142" name="Google Shape;142;g2fd87296955_0_106:notes"/>
+          <p:cNvPr id="146" name="Google Shape;146;g2fd87296955_0_106:notes"/>
           <p:cNvSpPr txBox="1"/>
           <p:nvPr>
             <p:ph idx="1" type="body"/>
@@ -1474,7 +1475,7 @@
   <p:cSld>
     <p:spTree>
       <p:nvGrpSpPr>
-        <p:cNvPr id="146" name="Shape 146"/>
+        <p:cNvPr id="151" name="Shape 151"/>
         <p:cNvGrpSpPr/>
         <p:nvPr/>
       </p:nvGrpSpPr>
@@ -1488,7 +1489,7 @@
       </p:grpSpPr>
       <p:sp>
         <p:nvSpPr>
-          <p:cNvPr id="147" name="Google Shape;147;g2fd87296955_1_9:notes"/>
+          <p:cNvPr id="152" name="Google Shape;152;g2fd87296955_1_9:notes"/>
           <p:cNvSpPr/>
           <p:nvPr>
             <p:ph idx="2" type="sldImg"/>
@@ -1523,7 +1524,7 @@
       </p:sp>
       <p:sp>
         <p:nvSpPr>
-          <p:cNvPr id="148" name="Google Shape;148;g2fd87296955_1_9:notes"/>
+          <p:cNvPr id="153" name="Google Shape;153;g2fd87296955_1_9:notes"/>
           <p:cNvSpPr txBox="1"/>
           <p:nvPr>
             <p:ph idx="1" type="body"/>
@@ -1573,7 +1574,7 @@
   <p:cSld>
     <p:spTree>
       <p:nvGrpSpPr>
-        <p:cNvPr id="152" name="Shape 152"/>
+        <p:cNvPr id="157" name="Shape 157"/>
         <p:cNvGrpSpPr/>
         <p:nvPr/>
       </p:nvGrpSpPr>
@@ -1587,7 +1588,106 @@
       </p:grpSpPr>
       <p:sp>
         <p:nvSpPr>
-          <p:cNvPr id="153" name="Google Shape;153;g2f62552a751_0_76:notes"/>
+          <p:cNvPr id="158" name="Google Shape;158;g333bba2404a_0_0:notes"/>
+          <p:cNvSpPr/>
+          <p:nvPr>
+            <p:ph idx="2" type="sldImg"/>
+          </p:nvPr>
+        </p:nvSpPr>
+        <p:spPr>
+          <a:xfrm>
+            <a:off x="381300" y="685800"/>
+            <a:ext cx="6096000" cy="3429000"/>
+          </a:xfrm>
+          <a:custGeom>
+            <a:rect b="b" l="l" r="r" t="t"/>
+            <a:pathLst>
+              <a:path extrusionOk="0" h="120000" w="120000">
+                <a:moveTo>
+                  <a:pt x="0" y="0"/>
+                </a:moveTo>
+                <a:lnTo>
+                  <a:pt x="120000" y="0"/>
+                </a:lnTo>
+                <a:lnTo>
+                  <a:pt x="120000" y="120000"/>
+                </a:lnTo>
+                <a:lnTo>
+                  <a:pt x="0" y="120000"/>
+                </a:lnTo>
+                <a:close/>
+              </a:path>
+            </a:pathLst>
+          </a:custGeom>
+        </p:spPr>
+      </p:sp>
+      <p:sp>
+        <p:nvSpPr>
+          <p:cNvPr id="159" name="Google Shape;159;g333bba2404a_0_0:notes"/>
+          <p:cNvSpPr txBox="1"/>
+          <p:nvPr>
+            <p:ph idx="1" type="body"/>
+          </p:nvPr>
+        </p:nvSpPr>
+        <p:spPr>
+          <a:xfrm>
+            <a:off x="685800" y="4343400"/>
+            <a:ext cx="5486400" cy="4114800"/>
+          </a:xfrm>
+          <a:prstGeom prst="rect">
+            <a:avLst/>
+          </a:prstGeom>
+        </p:spPr>
+        <p:txBody>
+          <a:bodyPr anchorCtr="0" anchor="t" bIns="91425" lIns="91425" spcFirstLastPara="1" rIns="91425" wrap="square" tIns="91425">
+            <a:noAutofit/>
+          </a:bodyPr>
+          <a:lstStyle/>
+          <a:p>
+            <a:pPr indent="0" lvl="0" marL="0" rtl="0" algn="l">
+              <a:spcBef>
+                <a:spcPts val="0"/>
+              </a:spcBef>
+              <a:spcAft>
+                <a:spcPts val="0"/>
+              </a:spcAft>
+              <a:buNone/>
+            </a:pPr>
+            <a:r>
+              <a:t/>
+            </a:r>
+            <a:endParaRPr/>
+          </a:p>
+        </p:txBody>
+      </p:sp>
+    </p:spTree>
+  </p:cSld>
+  <p:clrMapOvr>
+    <a:masterClrMapping/>
+  </p:clrMapOvr>
+</p:notes>
+</file>
+
+<file path=ppt/notesSlides/notesSlide17.xml><?xml version="1.0" encoding="utf-8"?>
+<p:notes xmlns:a="http://schemas.openxmlformats.org/drawingml/2006/main" xmlns:r="http://schemas.openxmlformats.org/officeDocument/2006/relationships" xmlns:mc="http://schemas.openxmlformats.org/markup-compatibility/2006" xmlns:mv="urn:schemas-microsoft-com:mac:vml" xmlns:p="http://schemas.openxmlformats.org/presentationml/2006/main" xmlns:c="http://schemas.openxmlformats.org/drawingml/2006/chart" xmlns:dgm="http://schemas.openxmlformats.org/drawingml/2006/diagram" xmlns:o="urn:schemas-microsoft-com:office:office" xmlns:v="urn:schemas-microsoft-com:vml" xmlns:pvml="urn:schemas-microsoft-com:office:powerpoint" xmlns:com="http://schemas.openxmlformats.org/drawingml/2006/compatibility" xmlns:p14="http://schemas.microsoft.com/office/powerpoint/2010/main" xmlns:p15="http://schemas.microsoft.com/office/powerpoint/2012/main" xmlns:ahyp="http://schemas.microsoft.com/office/drawing/2018/hyperlinkcolor" showMasterPhAnim="0" showMasterSp="0">
+  <p:cSld>
+    <p:spTree>
+      <p:nvGrpSpPr>
+        <p:cNvPr id="163" name="Shape 163"/>
+        <p:cNvGrpSpPr/>
+        <p:nvPr/>
+      </p:nvGrpSpPr>
+      <p:grpSpPr>
+        <a:xfrm>
+          <a:off x="0" y="0"/>
+          <a:ext cx="0" cy="0"/>
+          <a:chOff x="0" y="0"/>
+          <a:chExt cx="0" cy="0"/>
+        </a:xfrm>
+      </p:grpSpPr>
+      <p:sp>
+        <p:nvSpPr>
+          <p:cNvPr id="164" name="Google Shape;164;g2f62552a751_0_76:notes"/>
           <p:cNvSpPr/>
           <p:nvPr>
             <p:ph idx="2" type="sldImg"/>
@@ -1632,7 +1732,7 @@
       </p:sp>
       <p:sp>
         <p:nvSpPr>
-          <p:cNvPr id="154" name="Google Shape;154;g2f62552a751_0_76:notes"/>
+          <p:cNvPr id="165" name="Google Shape;165;g2f62552a751_0_76:notes"/>
           <p:cNvSpPr txBox="1"/>
           <p:nvPr>
             <p:ph idx="1" type="body"/>
@@ -2509,7 +2609,7 @@
   <p:cSld>
     <p:spTree>
       <p:nvGrpSpPr>
-        <p:cNvPr id="104" name="Shape 104"/>
+        <p:cNvPr id="105" name="Shape 105"/>
         <p:cNvGrpSpPr/>
         <p:nvPr/>
       </p:nvGrpSpPr>
@@ -2523,7 +2623,7 @@
       </p:grpSpPr>
       <p:sp>
         <p:nvSpPr>
-          <p:cNvPr id="105" name="Google Shape;105;g2fd87296955_0_77:notes"/>
+          <p:cNvPr id="106" name="Google Shape;106;g2fd87296955_0_77:notes"/>
           <p:cNvSpPr/>
           <p:nvPr>
             <p:ph idx="2" type="sldImg"/>
@@ -2568,7 +2668,7 @@
       </p:sp>
       <p:sp>
         <p:nvSpPr>
-          <p:cNvPr id="106" name="Google Shape;106;g2fd87296955_0_77:notes"/>
+          <p:cNvPr id="107" name="Google Shape;107;g2fd87296955_0_77:notes"/>
           <p:cNvSpPr txBox="1"/>
           <p:nvPr>
             <p:ph idx="1" type="body"/>
@@ -10885,7 +10985,7 @@
                 <a:cs typeface="Courier New"/>
                 <a:sym typeface="Courier New"/>
               </a:rPr>
-              <a:t>&gt;Dr. Talgat Manglayev&lt;/</a:t>
+              <a:t>&gt;Talgat Manglayev&lt;/</a:t>
             </a:r>
             <a:r>
               <a:rPr b="1" lang="en" sz="1800">
@@ -10955,7 +11055,7 @@
                 <a:cs typeface="Courier New"/>
                 <a:sym typeface="Courier New"/>
               </a:rPr>
-              <a:t>&gt;Dr. Irina Dolzhikova&lt;/</a:t>
+              <a:t>&gt;Irina Dolzhikova&lt;/</a:t>
             </a:r>
             <a:r>
               <a:rPr b="1" lang="en" sz="1800">
@@ -11021,7 +11121,7 @@
                 <a:cs typeface="Courier New"/>
                 <a:sym typeface="Courier New"/>
               </a:rPr>
-              <a:t>&gt;Marat Isteleyev&lt;/</a:t>
+              <a:t>&gt;Aigerim Yessenbayeva&lt;/</a:t>
             </a:r>
             <a:r>
               <a:rPr b="1" lang="en" sz="1800">
@@ -11281,7 +11381,7 @@
   <p:cSld>
     <p:spTree>
       <p:nvGrpSpPr>
-        <p:cNvPr id="114" name="Shape 114"/>
+        <p:cNvPr id="116" name="Shape 116"/>
         <p:cNvGrpSpPr/>
         <p:nvPr/>
       </p:nvGrpSpPr>
@@ -11295,7 +11395,7 @@
       </p:grpSpPr>
       <p:sp>
         <p:nvSpPr>
-          <p:cNvPr id="115" name="Google Shape;115;g2fd87296955_0_87"/>
+          <p:cNvPr id="117" name="Google Shape;117;g2fd87296955_0_87"/>
           <p:cNvSpPr txBox="1"/>
           <p:nvPr>
             <p:ph type="title"/>
@@ -11353,7 +11453,7 @@
       </p:sp>
       <p:sp>
         <p:nvSpPr>
-          <p:cNvPr id="116" name="Google Shape;116;g2fd87296955_0_87"/>
+          <p:cNvPr id="118" name="Google Shape;118;g2fd87296955_0_87"/>
           <p:cNvSpPr txBox="1"/>
           <p:nvPr/>
         </p:nvSpPr>
@@ -11800,7 +11900,7 @@
                 <a:cs typeface="Times New Roman"/>
                 <a:sym typeface="Times New Roman"/>
               </a:rPr>
-              <a:t>:	all, print, </a:t>
+              <a:t>:	 all, print, </a:t>
             </a:r>
             <a:r>
               <a:rPr lang="en" sz="2400">
@@ -11880,6 +11980,58 @@
               <a:ea typeface="Times New Roman"/>
               <a:cs typeface="Times New Roman"/>
               <a:sym typeface="Times New Roman"/>
+            </a:endParaRPr>
+          </a:p>
+        </p:txBody>
+      </p:sp>
+      <p:sp>
+        <p:nvSpPr>
+          <p:cNvPr id="119" name="Google Shape;119;g2fd87296955_0_87"/>
+          <p:cNvSpPr txBox="1"/>
+          <p:nvPr/>
+        </p:nvSpPr>
+        <p:spPr>
+          <a:xfrm>
+            <a:off x="5963375" y="0"/>
+            <a:ext cx="3180600" cy="400200"/>
+          </a:xfrm>
+          <a:prstGeom prst="rect">
+            <a:avLst/>
+          </a:prstGeom>
+          <a:noFill/>
+          <a:ln>
+            <a:noFill/>
+          </a:ln>
+        </p:spPr>
+        <p:txBody>
+          <a:bodyPr anchorCtr="0" anchor="t" bIns="91425" lIns="91425" spcFirstLastPara="1" rIns="91425" wrap="square" tIns="91425">
+            <a:spAutoFit/>
+          </a:bodyPr>
+          <a:lstStyle/>
+          <a:p>
+            <a:pPr indent="0" lvl="0" marL="0" rtl="0" algn="l">
+              <a:spcBef>
+                <a:spcPts val="0"/>
+              </a:spcBef>
+              <a:spcAft>
+                <a:spcPts val="0"/>
+              </a:spcAft>
+              <a:buNone/>
+            </a:pPr>
+            <a:r>
+              <a:rPr lang="en">
+                <a:latin typeface="Courier New"/>
+                <a:ea typeface="Courier New"/>
+                <a:cs typeface="Courier New"/>
+                <a:sym typeface="Courier New"/>
+              </a:rPr>
+              <a:t>3-media-query-example.html</a:t>
+            </a:r>
+            <a:endParaRPr>
+              <a:latin typeface="Courier New"/>
+              <a:ea typeface="Courier New"/>
+              <a:cs typeface="Courier New"/>
+              <a:sym typeface="Courier New"/>
             </a:endParaRPr>
           </a:p>
         </p:txBody>
@@ -11897,7 +12049,7 @@
   <p:cSld>
     <p:spTree>
       <p:nvGrpSpPr>
-        <p:cNvPr id="120" name="Shape 120"/>
+        <p:cNvPr id="123" name="Shape 123"/>
         <p:cNvGrpSpPr/>
         <p:nvPr/>
       </p:nvGrpSpPr>
@@ -11911,7 +12063,7 @@
       </p:grpSpPr>
       <p:sp>
         <p:nvSpPr>
-          <p:cNvPr id="121" name="Google Shape;121;g2fd87296955_0_47"/>
+          <p:cNvPr id="124" name="Google Shape;124;g2fd87296955_0_47"/>
           <p:cNvSpPr txBox="1"/>
           <p:nvPr>
             <p:ph type="title"/>
@@ -11962,7 +12114,7 @@
       </p:sp>
       <p:sp>
         <p:nvSpPr>
-          <p:cNvPr id="122" name="Google Shape;122;g2fd87296955_0_47"/>
+          <p:cNvPr id="125" name="Google Shape;125;g2fd87296955_0_47"/>
           <p:cNvSpPr txBox="1"/>
           <p:nvPr>
             <p:ph idx="1" type="body"/>
@@ -12419,7 +12571,7 @@
             </a:endParaRPr>
           </a:p>
           <a:p>
-            <a:pPr indent="-279400" lvl="0" marL="370205" marR="99060" rtl="0" algn="l">
+            <a:pPr indent="457200" lvl="0" marL="0" marR="99060" rtl="0" algn="l">
               <a:lnSpc>
                 <a:spcPct val="100000"/>
               </a:lnSpc>
@@ -12730,7 +12882,7 @@
   <p:cSld>
     <p:spTree>
       <p:nvGrpSpPr>
-        <p:cNvPr id="126" name="Shape 126"/>
+        <p:cNvPr id="129" name="Shape 129"/>
         <p:cNvGrpSpPr/>
         <p:nvPr/>
       </p:nvGrpSpPr>
@@ -12744,7 +12896,7 @@
       </p:grpSpPr>
       <p:sp>
         <p:nvSpPr>
-          <p:cNvPr id="127" name="Google Shape;127;g2fd87296955_0_96"/>
+          <p:cNvPr id="130" name="Google Shape;130;g2fd87296955_0_96"/>
           <p:cNvSpPr txBox="1"/>
           <p:nvPr>
             <p:ph type="title"/>
@@ -12795,7 +12947,7 @@
       </p:sp>
       <p:sp>
         <p:nvSpPr>
-          <p:cNvPr id="128" name="Google Shape;128;g2fd87296955_0_96"/>
+          <p:cNvPr id="131" name="Google Shape;131;g2fd87296955_0_96"/>
           <p:cNvSpPr txBox="1"/>
           <p:nvPr>
             <p:ph idx="1" type="body"/>
@@ -12979,7 +13131,7 @@
       </p:sp>
       <p:pic>
         <p:nvPicPr>
-          <p:cNvPr id="129" name="Google Shape;129;g2fd87296955_0_96"/>
+          <p:cNvPr id="132" name="Google Shape;132;g2fd87296955_0_96"/>
           <p:cNvPicPr preferRelativeResize="0"/>
           <p:nvPr/>
         </p:nvPicPr>
@@ -13006,7 +13158,7 @@
       </p:pic>
       <p:pic>
         <p:nvPicPr>
-          <p:cNvPr id="130" name="Google Shape;130;g2fd87296955_0_96"/>
+          <p:cNvPr id="133" name="Google Shape;133;g2fd87296955_0_96"/>
           <p:cNvPicPr preferRelativeResize="0"/>
           <p:nvPr/>
         </p:nvPicPr>
@@ -13033,7 +13185,7 @@
       </p:pic>
       <p:pic>
         <p:nvPicPr>
-          <p:cNvPr id="131" name="Google Shape;131;g2fd87296955_0_96"/>
+          <p:cNvPr id="134" name="Google Shape;134;g2fd87296955_0_96"/>
           <p:cNvPicPr preferRelativeResize="0"/>
           <p:nvPr/>
         </p:nvPicPr>
@@ -13071,7 +13223,7 @@
   <p:cSld>
     <p:spTree>
       <p:nvGrpSpPr>
-        <p:cNvPr id="135" name="Shape 135"/>
+        <p:cNvPr id="138" name="Shape 138"/>
         <p:cNvGrpSpPr/>
         <p:nvPr/>
       </p:nvGrpSpPr>
@@ -13085,7 +13237,7 @@
       </p:grpSpPr>
       <p:sp>
         <p:nvSpPr>
-          <p:cNvPr id="136" name="Google Shape;136;g2fd87296955_0_101"/>
+          <p:cNvPr id="139" name="Google Shape;139;g2fd87296955_0_101"/>
           <p:cNvSpPr txBox="1"/>
           <p:nvPr>
             <p:ph type="title"/>
@@ -13136,7 +13288,7 @@
       </p:sp>
       <p:sp>
         <p:nvSpPr>
-          <p:cNvPr id="137" name="Google Shape;137;g2fd87296955_0_101"/>
+          <p:cNvPr id="140" name="Google Shape;140;g2fd87296955_0_101"/>
           <p:cNvSpPr txBox="1"/>
           <p:nvPr>
             <p:ph idx="1" type="body"/>
@@ -13550,70 +13702,6 @@
             </a:r>
             <a:endParaRPr>
               <a:solidFill>
-                <a:srgbClr val="C00000"/>
-              </a:solidFill>
-              <a:latin typeface="Courier New"/>
-              <a:ea typeface="Courier New"/>
-              <a:cs typeface="Courier New"/>
-              <a:sym typeface="Courier New"/>
-            </a:endParaRPr>
-          </a:p>
-          <a:p>
-            <a:pPr indent="457200" lvl="0" marL="0" rtl="0" algn="l">
-              <a:lnSpc>
-                <a:spcPct val="100000"/>
-              </a:lnSpc>
-              <a:spcBef>
-                <a:spcPts val="0"/>
-              </a:spcBef>
-              <a:spcAft>
-                <a:spcPts val="0"/>
-              </a:spcAft>
-              <a:buClr>
-                <a:schemeClr val="dk1"/>
-              </a:buClr>
-              <a:buSzPts val="1100"/>
-              <a:buFont typeface="Arial"/>
-              <a:buNone/>
-            </a:pPr>
-            <a:r>
-              <a:rPr lang="en">
-                <a:solidFill>
-                  <a:srgbClr val="0070C0"/>
-                </a:solidFill>
-                <a:latin typeface="Courier New"/>
-                <a:ea typeface="Courier New"/>
-                <a:cs typeface="Courier New"/>
-                <a:sym typeface="Courier New"/>
-              </a:rPr>
-              <a:t>height</a:t>
-            </a:r>
-            <a:r>
-              <a:rPr lang="en">
-                <a:solidFill>
-                  <a:schemeClr val="dk1"/>
-                </a:solidFill>
-                <a:latin typeface="Courier New"/>
-                <a:ea typeface="Courier New"/>
-                <a:cs typeface="Courier New"/>
-                <a:sym typeface="Courier New"/>
-              </a:rPr>
-              <a:t>: </a:t>
-            </a:r>
-            <a:r>
-              <a:rPr lang="en">
-                <a:solidFill>
-                  <a:srgbClr val="C00000"/>
-                </a:solidFill>
-                <a:latin typeface="Courier New"/>
-                <a:ea typeface="Courier New"/>
-                <a:cs typeface="Courier New"/>
-                <a:sym typeface="Courier New"/>
-              </a:rPr>
-              <a:t>auto</a:t>
-            </a:r>
-            <a:endParaRPr>
-              <a:solidFill>
                 <a:schemeClr val="dk1"/>
               </a:solidFill>
               <a:latin typeface="Courier New"/>
@@ -14160,7 +14248,7 @@
       </p:sp>
       <p:pic>
         <p:nvPicPr>
-          <p:cNvPr id="138" name="Google Shape;138;g2fd87296955_0_101"/>
+          <p:cNvPr id="141" name="Google Shape;141;g2fd87296955_0_101"/>
           <p:cNvPicPr preferRelativeResize="0"/>
           <p:nvPr/>
         </p:nvPicPr>
@@ -14187,7 +14275,7 @@
       </p:pic>
       <p:cxnSp>
         <p:nvCxnSpPr>
-          <p:cNvPr id="139" name="Google Shape;139;g2fd87296955_0_101"/>
+          <p:cNvPr id="142" name="Google Shape;142;g2fd87296955_0_101"/>
           <p:cNvCxnSpPr/>
           <p:nvPr/>
         </p:nvCxnSpPr>
@@ -14211,6 +14299,48 @@
           </a:ln>
         </p:spPr>
       </p:cxnSp>
+      <p:sp>
+        <p:nvSpPr>
+          <p:cNvPr id="143" name="Google Shape;143;g2fd87296955_0_101"/>
+          <p:cNvSpPr txBox="1"/>
+          <p:nvPr/>
+        </p:nvSpPr>
+        <p:spPr>
+          <a:xfrm>
+            <a:off x="0" y="4743300"/>
+            <a:ext cx="9144000" cy="400200"/>
+          </a:xfrm>
+          <a:prstGeom prst="rect">
+            <a:avLst/>
+          </a:prstGeom>
+          <a:noFill/>
+          <a:ln>
+            <a:noFill/>
+          </a:ln>
+        </p:spPr>
+        <p:txBody>
+          <a:bodyPr anchorCtr="0" anchor="t" bIns="91425" lIns="91425" spcFirstLastPara="1" rIns="91425" wrap="square" tIns="91425">
+            <a:spAutoFit/>
+          </a:bodyPr>
+          <a:lstStyle/>
+          <a:p>
+            <a:pPr indent="0" lvl="0" marL="0" rtl="0" algn="ctr">
+              <a:spcBef>
+                <a:spcPts val="0"/>
+              </a:spcBef>
+              <a:spcAft>
+                <a:spcPts val="0"/>
+              </a:spcAft>
+              <a:buNone/>
+            </a:pPr>
+            <a:r>
+              <a:rPr lang="en"/>
+              <a:t>https://www.w3schools.com/html/tryit.asp?filename=tryhtml_responsive_picture</a:t>
+            </a:r>
+            <a:endParaRPr/>
+          </a:p>
+        </p:txBody>
+      </p:sp>
     </p:spTree>
   </p:cSld>
   <p:clrMapOvr>
@@ -14224,7 +14354,7 @@
   <p:cSld>
     <p:spTree>
       <p:nvGrpSpPr>
-        <p:cNvPr id="143" name="Shape 143"/>
+        <p:cNvPr id="147" name="Shape 147"/>
         <p:cNvGrpSpPr/>
         <p:nvPr/>
       </p:nvGrpSpPr>
@@ -14238,7 +14368,7 @@
       </p:grpSpPr>
       <p:sp>
         <p:nvSpPr>
-          <p:cNvPr id="144" name="Google Shape;144;g2fd87296955_0_106"/>
+          <p:cNvPr id="148" name="Google Shape;148;g2fd87296955_0_106"/>
           <p:cNvSpPr txBox="1"/>
           <p:nvPr>
             <p:ph type="title"/>
@@ -14289,7 +14419,7 @@
       </p:sp>
       <p:sp>
         <p:nvSpPr>
-          <p:cNvPr id="145" name="Google Shape;145;g2fd87296955_0_106"/>
+          <p:cNvPr id="149" name="Google Shape;149;g2fd87296955_0_106"/>
           <p:cNvSpPr txBox="1"/>
           <p:nvPr>
             <p:ph idx="1" type="body"/>
@@ -14508,6 +14638,48 @@
           </a:p>
         </p:txBody>
       </p:sp>
+      <p:sp>
+        <p:nvSpPr>
+          <p:cNvPr id="150" name="Google Shape;150;g2fd87296955_0_106"/>
+          <p:cNvSpPr txBox="1"/>
+          <p:nvPr/>
+        </p:nvSpPr>
+        <p:spPr>
+          <a:xfrm>
+            <a:off x="0" y="4743300"/>
+            <a:ext cx="9144000" cy="400200"/>
+          </a:xfrm>
+          <a:prstGeom prst="rect">
+            <a:avLst/>
+          </a:prstGeom>
+          <a:noFill/>
+          <a:ln>
+            <a:noFill/>
+          </a:ln>
+        </p:spPr>
+        <p:txBody>
+          <a:bodyPr anchorCtr="0" anchor="t" bIns="91425" lIns="91425" spcFirstLastPara="1" rIns="91425" wrap="square" tIns="91425">
+            <a:spAutoFit/>
+          </a:bodyPr>
+          <a:lstStyle/>
+          <a:p>
+            <a:pPr indent="0" lvl="0" marL="0" rtl="0" algn="ctr">
+              <a:spcBef>
+                <a:spcPts val="0"/>
+              </a:spcBef>
+              <a:spcAft>
+                <a:spcPts val="0"/>
+              </a:spcAft>
+              <a:buNone/>
+            </a:pPr>
+            <a:r>
+              <a:rPr lang="en"/>
+              <a:t>https://www.w3schools.com/cssref/css_units.php</a:t>
+            </a:r>
+            <a:endParaRPr/>
+          </a:p>
+        </p:txBody>
+      </p:sp>
     </p:spTree>
   </p:cSld>
   <p:clrMapOvr>
@@ -14521,7 +14693,7 @@
   <p:cSld>
     <p:spTree>
       <p:nvGrpSpPr>
-        <p:cNvPr id="149" name="Shape 149"/>
+        <p:cNvPr id="154" name="Shape 154"/>
         <p:cNvGrpSpPr/>
         <p:nvPr/>
       </p:nvGrpSpPr>
@@ -14535,7 +14707,7 @@
       </p:grpSpPr>
       <p:sp>
         <p:nvSpPr>
-          <p:cNvPr id="150" name="Google Shape;150;g2fd87296955_1_9"/>
+          <p:cNvPr id="155" name="Google Shape;155;g2fd87296955_1_9"/>
           <p:cNvSpPr txBox="1"/>
           <p:nvPr>
             <p:ph idx="1" type="body"/>
@@ -14907,7 +15079,7 @@
       </p:sp>
       <p:sp>
         <p:nvSpPr>
-          <p:cNvPr id="151" name="Google Shape;151;g2fd87296955_1_9"/>
+          <p:cNvPr id="156" name="Google Shape;156;g2fd87296955_1_9"/>
           <p:cNvSpPr txBox="1"/>
           <p:nvPr>
             <p:ph type="title"/>
@@ -14969,7 +15141,7 @@
   <p:cSld>
     <p:spTree>
       <p:nvGrpSpPr>
-        <p:cNvPr id="155" name="Shape 155"/>
+        <p:cNvPr id="160" name="Shape 160"/>
         <p:cNvGrpSpPr/>
         <p:nvPr/>
       </p:nvGrpSpPr>
@@ -14983,7 +15155,304 @@
       </p:grpSpPr>
       <p:sp>
         <p:nvSpPr>
-          <p:cNvPr id="156" name="Google Shape;156;g2f62552a751_0_76"/>
+          <p:cNvPr id="161" name="Google Shape;161;g333bba2404a_0_0"/>
+          <p:cNvSpPr txBox="1"/>
+          <p:nvPr>
+            <p:ph type="title"/>
+          </p:nvPr>
+        </p:nvSpPr>
+        <p:spPr>
+          <a:xfrm>
+            <a:off x="311700" y="445025"/>
+            <a:ext cx="8520600" cy="572700"/>
+          </a:xfrm>
+          <a:prstGeom prst="rect">
+            <a:avLst/>
+          </a:prstGeom>
+        </p:spPr>
+        <p:txBody>
+          <a:bodyPr anchorCtr="0" anchor="t" bIns="91425" lIns="91425" spcFirstLastPara="1" rIns="91425" wrap="square" tIns="91425">
+            <a:normAutofit fontScale="90000"/>
+          </a:bodyPr>
+          <a:lstStyle/>
+          <a:p>
+            <a:pPr indent="0" lvl="0" marL="0" rtl="0" algn="l">
+              <a:spcBef>
+                <a:spcPts val="0"/>
+              </a:spcBef>
+              <a:spcAft>
+                <a:spcPts val="0"/>
+              </a:spcAft>
+              <a:buNone/>
+            </a:pPr>
+            <a:r>
+              <a:rPr lang="en"/>
+              <a:t>Website templates</a:t>
+            </a:r>
+            <a:endParaRPr/>
+          </a:p>
+        </p:txBody>
+      </p:sp>
+      <p:sp>
+        <p:nvSpPr>
+          <p:cNvPr id="162" name="Google Shape;162;g333bba2404a_0_0"/>
+          <p:cNvSpPr txBox="1"/>
+          <p:nvPr>
+            <p:ph idx="1" type="body"/>
+          </p:nvPr>
+        </p:nvSpPr>
+        <p:spPr>
+          <a:xfrm>
+            <a:off x="311700" y="1152475"/>
+            <a:ext cx="8520600" cy="3416400"/>
+          </a:xfrm>
+          <a:prstGeom prst="rect">
+            <a:avLst/>
+          </a:prstGeom>
+        </p:spPr>
+        <p:txBody>
+          <a:bodyPr anchorCtr="0" anchor="t" bIns="91425" lIns="91425" spcFirstLastPara="1" rIns="91425" wrap="square" tIns="91425">
+            <a:normAutofit/>
+          </a:bodyPr>
+          <a:lstStyle/>
+          <a:p>
+            <a:pPr indent="0" lvl="0" marL="0" rtl="0" algn="l">
+              <a:spcBef>
+                <a:spcPts val="0"/>
+              </a:spcBef>
+              <a:spcAft>
+                <a:spcPts val="0"/>
+              </a:spcAft>
+              <a:buNone/>
+            </a:pPr>
+            <a:r>
+              <a:rPr lang="en">
+                <a:solidFill>
+                  <a:schemeClr val="dk1"/>
+                </a:solidFill>
+              </a:rPr>
+              <a:t>You can develop website layout using popular </a:t>
+            </a:r>
+            <a:r>
+              <a:rPr lang="en" u="sng">
+                <a:solidFill>
+                  <a:schemeClr val="hlink"/>
+                </a:solidFill>
+                <a:hlinkClick r:id="rId3"/>
+              </a:rPr>
+              <a:t>bootstrap 3 framework</a:t>
+            </a:r>
+            <a:r>
+              <a:rPr lang="en">
+                <a:solidFill>
+                  <a:schemeClr val="dk1"/>
+                </a:solidFill>
+              </a:rPr>
+              <a:t>.</a:t>
+            </a:r>
+            <a:endParaRPr>
+              <a:solidFill>
+                <a:schemeClr val="dk1"/>
+              </a:solidFill>
+            </a:endParaRPr>
+          </a:p>
+          <a:p>
+            <a:pPr indent="0" lvl="0" marL="0" rtl="0" algn="l">
+              <a:spcBef>
+                <a:spcPts val="0"/>
+              </a:spcBef>
+              <a:spcAft>
+                <a:spcPts val="0"/>
+              </a:spcAft>
+              <a:buNone/>
+            </a:pPr>
+            <a:r>
+              <a:rPr lang="en">
+                <a:solidFill>
+                  <a:schemeClr val="dk1"/>
+                </a:solidFill>
+              </a:rPr>
+              <a:t>It has HTML, CSS and JavaScript.</a:t>
+            </a:r>
+            <a:endParaRPr>
+              <a:solidFill>
+                <a:schemeClr val="dk1"/>
+              </a:solidFill>
+            </a:endParaRPr>
+          </a:p>
+          <a:p>
+            <a:pPr indent="0" lvl="0" marL="0" rtl="0" algn="l">
+              <a:spcBef>
+                <a:spcPts val="0"/>
+              </a:spcBef>
+              <a:spcAft>
+                <a:spcPts val="0"/>
+              </a:spcAft>
+              <a:buNone/>
+            </a:pPr>
+            <a:r>
+              <a:t/>
+            </a:r>
+            <a:endParaRPr>
+              <a:solidFill>
+                <a:schemeClr val="dk1"/>
+              </a:solidFill>
+            </a:endParaRPr>
+          </a:p>
+          <a:p>
+            <a:pPr indent="0" lvl="0" marL="0" rtl="0" algn="l">
+              <a:spcBef>
+                <a:spcPts val="0"/>
+              </a:spcBef>
+              <a:spcAft>
+                <a:spcPts val="0"/>
+              </a:spcAft>
+              <a:buNone/>
+            </a:pPr>
+            <a:r>
+              <a:rPr lang="en">
+                <a:solidFill>
+                  <a:schemeClr val="dk1"/>
+                </a:solidFill>
+              </a:rPr>
+              <a:t>There are lots of free ready to use </a:t>
+            </a:r>
+            <a:r>
+              <a:rPr lang="en" u="sng">
+                <a:solidFill>
+                  <a:schemeClr val="hlink"/>
+                </a:solidFill>
+                <a:hlinkClick r:id="rId4"/>
+              </a:rPr>
+              <a:t>website templates</a:t>
+            </a:r>
+            <a:r>
+              <a:rPr lang="en">
+                <a:solidFill>
+                  <a:schemeClr val="dk1"/>
+                </a:solidFill>
+              </a:rPr>
+              <a:t> for desktop and for mobile devices.</a:t>
+            </a:r>
+            <a:endParaRPr>
+              <a:solidFill>
+                <a:schemeClr val="dk1"/>
+              </a:solidFill>
+            </a:endParaRPr>
+          </a:p>
+          <a:p>
+            <a:pPr indent="0" lvl="0" marL="0" rtl="0" algn="l">
+              <a:spcBef>
+                <a:spcPts val="0"/>
+              </a:spcBef>
+              <a:spcAft>
+                <a:spcPts val="0"/>
+              </a:spcAft>
+              <a:buNone/>
+            </a:pPr>
+            <a:r>
+              <a:t/>
+            </a:r>
+            <a:endParaRPr>
+              <a:solidFill>
+                <a:schemeClr val="dk1"/>
+              </a:solidFill>
+            </a:endParaRPr>
+          </a:p>
+          <a:p>
+            <a:pPr indent="457200" lvl="0" marL="0" rtl="0" algn="ctr">
+              <a:spcBef>
+                <a:spcPts val="0"/>
+              </a:spcBef>
+              <a:spcAft>
+                <a:spcPts val="0"/>
+              </a:spcAft>
+              <a:buNone/>
+            </a:pPr>
+            <a:r>
+              <a:rPr lang="en">
+                <a:solidFill>
+                  <a:schemeClr val="dk1"/>
+                </a:solidFill>
+              </a:rPr>
+              <a:t>You are recommended to use templates in your course </a:t>
+            </a:r>
+            <a:r>
+              <a:rPr lang="en">
+                <a:solidFill>
+                  <a:schemeClr val="dk1"/>
+                </a:solidFill>
+              </a:rPr>
+              <a:t>project</a:t>
+            </a:r>
+            <a:r>
+              <a:rPr lang="en">
+                <a:solidFill>
+                  <a:schemeClr val="dk1"/>
+                </a:solidFill>
+              </a:rPr>
+              <a:t>.</a:t>
+            </a:r>
+            <a:endParaRPr>
+              <a:solidFill>
+                <a:schemeClr val="dk1"/>
+              </a:solidFill>
+            </a:endParaRPr>
+          </a:p>
+          <a:p>
+            <a:pPr indent="457200" lvl="0" marL="0" rtl="0" algn="ctr">
+              <a:spcBef>
+                <a:spcPts val="0"/>
+              </a:spcBef>
+              <a:spcAft>
+                <a:spcPts val="0"/>
+              </a:spcAft>
+              <a:buNone/>
+            </a:pPr>
+            <a:r>
+              <a:rPr lang="en">
+                <a:solidFill>
+                  <a:schemeClr val="dk1"/>
+                </a:solidFill>
+              </a:rPr>
+              <a:t>But html and css code that is already in templates is not counted for grading.</a:t>
+            </a:r>
+            <a:endParaRPr>
+              <a:solidFill>
+                <a:schemeClr val="dk1"/>
+              </a:solidFill>
+            </a:endParaRPr>
+          </a:p>
+        </p:txBody>
+      </p:sp>
+    </p:spTree>
+  </p:cSld>
+  <p:clrMapOvr>
+    <a:masterClrMapping/>
+  </p:clrMapOvr>
+</p:sld>
+</file>
+
+<file path=ppt/slides/slide17.xml><?xml version="1.0" encoding="utf-8"?>
+<p:sld xmlns:a="http://schemas.openxmlformats.org/drawingml/2006/main" xmlns:r="http://schemas.openxmlformats.org/officeDocument/2006/relationships" xmlns:mc="http://schemas.openxmlformats.org/markup-compatibility/2006" xmlns:mv="urn:schemas-microsoft-com:mac:vml" xmlns:p="http://schemas.openxmlformats.org/presentationml/2006/main" xmlns:c="http://schemas.openxmlformats.org/drawingml/2006/chart" xmlns:dgm="http://schemas.openxmlformats.org/drawingml/2006/diagram" xmlns:o="urn:schemas-microsoft-com:office:office" xmlns:v="urn:schemas-microsoft-com:vml" xmlns:pvml="urn:schemas-microsoft-com:office:powerpoint" xmlns:com="http://schemas.openxmlformats.org/drawingml/2006/compatibility" xmlns:p14="http://schemas.microsoft.com/office/powerpoint/2010/main" xmlns:p15="http://schemas.microsoft.com/office/powerpoint/2012/main" xmlns:ahyp="http://schemas.microsoft.com/office/drawing/2018/hyperlinkcolor">
+  <p:cSld>
+    <p:spTree>
+      <p:nvGrpSpPr>
+        <p:cNvPr id="166" name="Shape 166"/>
+        <p:cNvGrpSpPr/>
+        <p:nvPr/>
+      </p:nvGrpSpPr>
+      <p:grpSpPr>
+        <a:xfrm>
+          <a:off x="0" y="0"/>
+          <a:ext cx="0" cy="0"/>
+          <a:chOff x="0" y="0"/>
+          <a:chExt cx="0" cy="0"/>
+        </a:xfrm>
+      </p:grpSpPr>
+      <p:sp>
+        <p:nvSpPr>
+          <p:cNvPr id="167" name="Google Shape;167;g2f62552a751_0_76"/>
           <p:cNvSpPr txBox="1"/>
           <p:nvPr>
             <p:ph idx="1" type="body"/>
@@ -16187,7 +16656,7 @@
         <p:spPr>
           <a:xfrm>
             <a:off x="0" y="572700"/>
-            <a:ext cx="9144000" cy="1411800"/>
+            <a:ext cx="9144000" cy="1345800"/>
           </a:xfrm>
           <a:prstGeom prst="rect">
             <a:avLst/>
@@ -16203,7 +16672,7 @@
           </a:bodyPr>
           <a:lstStyle/>
           <a:p>
-            <a:pPr indent="-228600" lvl="0" marL="241300" marR="5080" rtl="0" algn="l">
+            <a:pPr indent="0" lvl="0" marL="0" marR="5080" rtl="0" algn="l">
               <a:lnSpc>
                 <a:spcPct val="107142"/>
               </a:lnSpc>
@@ -16213,23 +16682,19 @@
               <a:spcAft>
                 <a:spcPts val="0"/>
               </a:spcAft>
-              <a:buClr>
-                <a:srgbClr val="FF0000"/>
-              </a:buClr>
-              <a:buSzPts val="2800"/>
-              <a:buChar char="•"/>
+              <a:buNone/>
             </a:pPr>
             <a:r>
-              <a:rPr b="1" lang="en" sz="2400">
-                <a:solidFill>
-                  <a:srgbClr val="FF0000"/>
+              <a:rPr lang="en" sz="2400">
+                <a:solidFill>
+                  <a:schemeClr val="dk1"/>
                 </a:solidFill>
                 <a:latin typeface="Times New Roman"/>
                 <a:ea typeface="Times New Roman"/>
                 <a:cs typeface="Times New Roman"/>
                 <a:sym typeface="Times New Roman"/>
               </a:rPr>
-              <a:t>Responsive web design </a:t>
+              <a:t>D</a:t>
             </a:r>
             <a:r>
               <a:rPr lang="en" sz="2400">
@@ -16241,7 +16706,42 @@
                 <a:cs typeface="Times New Roman"/>
                 <a:sym typeface="Times New Roman"/>
               </a:rPr>
-              <a:t>refers to a design strategy to make websites  render correctly for various devices (mobile, tablet, laptop and desktop). It uses </a:t>
+              <a:t>esign strategy to make websites  render correctly for devices with various display size (mobile, tablet, laptop and desktop).</a:t>
+            </a:r>
+            <a:endParaRPr sz="2400">
+              <a:solidFill>
+                <a:schemeClr val="dk1"/>
+              </a:solidFill>
+              <a:latin typeface="Times New Roman"/>
+              <a:ea typeface="Times New Roman"/>
+              <a:cs typeface="Times New Roman"/>
+              <a:sym typeface="Times New Roman"/>
+            </a:endParaRPr>
+          </a:p>
+          <a:p>
+            <a:pPr indent="0" lvl="0" marL="0" marR="5080" rtl="0" algn="l">
+              <a:lnSpc>
+                <a:spcPct val="107142"/>
+              </a:lnSpc>
+              <a:spcBef>
+                <a:spcPts val="0"/>
+              </a:spcBef>
+              <a:spcAft>
+                <a:spcPts val="0"/>
+              </a:spcAft>
+              <a:buNone/>
+            </a:pPr>
+            <a:r>
+              <a:rPr lang="en" sz="2400">
+                <a:solidFill>
+                  <a:schemeClr val="dk1"/>
+                </a:solidFill>
+                <a:latin typeface="Times New Roman"/>
+                <a:ea typeface="Times New Roman"/>
+                <a:cs typeface="Times New Roman"/>
+                <a:sym typeface="Times New Roman"/>
+              </a:rPr>
+              <a:t>It uses </a:t>
             </a:r>
             <a:r>
               <a:rPr lang="en" sz="2400">
@@ -16294,8 +16794,8 @@
         </p:blipFill>
         <p:spPr>
           <a:xfrm>
-            <a:off x="-4" y="2801679"/>
-            <a:ext cx="3428508" cy="2341822"/>
+            <a:off x="0" y="1918500"/>
+            <a:ext cx="4721490" cy="3225001"/>
           </a:xfrm>
           <a:prstGeom prst="rect">
             <a:avLst/>
@@ -16314,8 +16814,8 @@
         </p:nvSpPr>
         <p:spPr>
           <a:xfrm>
-            <a:off x="3428500" y="3418488"/>
-            <a:ext cx="5715600" cy="1108200"/>
+            <a:off x="5101450" y="2571750"/>
+            <a:ext cx="3636000" cy="1723800"/>
           </a:xfrm>
           <a:prstGeom prst="rect">
             <a:avLst/>
@@ -16567,65 +17067,9 @@
           </a:p>
         </p:txBody>
       </p:sp>
-      <p:pic>
-        <p:nvPicPr>
-          <p:cNvPr id="89" name="Google Shape;89;g2fd87296955_0_31"/>
-          <p:cNvPicPr preferRelativeResize="0"/>
-          <p:nvPr/>
-        </p:nvPicPr>
-        <p:blipFill>
-          <a:blip r:embed="rId3">
-            <a:alphaModFix/>
-          </a:blip>
-          <a:stretch>
-            <a:fillRect/>
-          </a:stretch>
-        </p:blipFill>
-        <p:spPr>
-          <a:xfrm>
-            <a:off x="1864613" y="1697500"/>
-            <a:ext cx="5414781" cy="3045800"/>
-          </a:xfrm>
-          <a:prstGeom prst="rect">
-            <a:avLst/>
-          </a:prstGeom>
-          <a:noFill/>
-          <a:ln>
-            <a:noFill/>
-          </a:ln>
-        </p:spPr>
-      </p:pic>
-      <p:pic>
-        <p:nvPicPr>
-          <p:cNvPr id="90" name="Google Shape;90;g2fd87296955_0_31"/>
-          <p:cNvPicPr preferRelativeResize="0"/>
-          <p:nvPr/>
-        </p:nvPicPr>
-        <p:blipFill>
-          <a:blip r:embed="rId4">
-            <a:alphaModFix/>
-          </a:blip>
-          <a:stretch>
-            <a:fillRect/>
-          </a:stretch>
-        </p:blipFill>
-        <p:spPr>
-          <a:xfrm>
-            <a:off x="152400" y="717775"/>
-            <a:ext cx="8839204" cy="979736"/>
-          </a:xfrm>
-          <a:prstGeom prst="rect">
-            <a:avLst/>
-          </a:prstGeom>
-          <a:noFill/>
-          <a:ln>
-            <a:noFill/>
-          </a:ln>
-        </p:spPr>
-      </p:pic>
       <p:sp>
         <p:nvSpPr>
-          <p:cNvPr id="91" name="Google Shape;91;g2fd87296955_0_31"/>
+          <p:cNvPr id="89" name="Google Shape;89;g2fd87296955_0_31"/>
           <p:cNvSpPr txBox="1"/>
           <p:nvPr/>
         </p:nvSpPr>
@@ -16664,7 +17108,7 @@
                 <a:cs typeface="Times New Roman"/>
                 <a:sym typeface="Times New Roman"/>
               </a:rPr>
-              <a:t>https://gs.statcounter.com/platform-market-share/desktop-mobile-tablet/worldwide/#monthly-201909-202409</a:t>
+              <a:t>https://gs.statcounter.com/platform-market-share/desktop-mobile-tablet/worldwide/#monthly-202002-202502</a:t>
             </a:r>
             <a:endParaRPr>
               <a:latin typeface="Times New Roman"/>
@@ -16675,6 +17119,61 @@
           </a:p>
         </p:txBody>
       </p:sp>
+      <p:pic>
+        <p:nvPicPr>
+          <p:cNvPr id="90" name="Google Shape;90;g2fd87296955_0_31"/>
+          <p:cNvPicPr preferRelativeResize="0"/>
+          <p:nvPr/>
+        </p:nvPicPr>
+        <p:blipFill>
+          <a:blip r:embed="rId3">
+            <a:alphaModFix/>
+          </a:blip>
+          <a:stretch>
+            <a:fillRect/>
+          </a:stretch>
+        </p:blipFill>
+        <p:spPr>
+          <a:xfrm>
+            <a:off x="2135563" y="1849911"/>
+            <a:ext cx="4872870" cy="2740990"/>
+          </a:xfrm>
+          <a:prstGeom prst="rect">
+            <a:avLst/>
+          </a:prstGeom>
+          <a:noFill/>
+          <a:ln>
+            <a:noFill/>
+          </a:ln>
+        </p:spPr>
+      </p:pic>
+      <p:pic>
+        <p:nvPicPr>
+          <p:cNvPr id="91" name="Google Shape;91;g2fd87296955_0_31"/>
+          <p:cNvPicPr preferRelativeResize="0"/>
+          <p:nvPr/>
+        </p:nvPicPr>
+        <p:blipFill rotWithShape="1">
+          <a:blip r:embed="rId4">
+            <a:alphaModFix/>
+          </a:blip>
+          <a:srcRect b="7810" l="0" r="0" t="25317"/>
+          <a:stretch/>
+        </p:blipFill>
+        <p:spPr>
+          <a:xfrm>
+            <a:off x="0" y="724275"/>
+            <a:ext cx="9144000" cy="974050"/>
+          </a:xfrm>
+          <a:prstGeom prst="rect">
+            <a:avLst/>
+          </a:prstGeom>
+          <a:noFill/>
+          <a:ln>
+            <a:noFill/>
+          </a:ln>
+        </p:spPr>
+      </p:pic>
     </p:spTree>
   </p:cSld>
   <p:clrMapOvr>
@@ -17347,7 +17846,7 @@
                 <a:cs typeface="Times New Roman"/>
                 <a:sym typeface="Times New Roman"/>
               </a:rPr>
-              <a:t>Content </a:t>
+              <a:t>content </a:t>
             </a:r>
             <a:r>
               <a:rPr lang="en" sz="2400">
@@ -17587,6 +18086,87 @@
               <a:ea typeface="Times New Roman"/>
               <a:cs typeface="Times New Roman"/>
               <a:sym typeface="Times New Roman"/>
+            </a:endParaRPr>
+          </a:p>
+        </p:txBody>
+      </p:sp>
+      <p:sp>
+        <p:nvSpPr>
+          <p:cNvPr id="104" name="Google Shape;104;g2fd87296955_0_72"/>
+          <p:cNvSpPr txBox="1"/>
+          <p:nvPr/>
+        </p:nvSpPr>
+        <p:spPr>
+          <a:xfrm>
+            <a:off x="5949350" y="0"/>
+            <a:ext cx="3194700" cy="615600"/>
+          </a:xfrm>
+          <a:prstGeom prst="rect">
+            <a:avLst/>
+          </a:prstGeom>
+          <a:noFill/>
+          <a:ln>
+            <a:noFill/>
+          </a:ln>
+        </p:spPr>
+        <p:txBody>
+          <a:bodyPr anchorCtr="0" anchor="t" bIns="91425" lIns="91425" spcFirstLastPara="1" rIns="91425" wrap="square" tIns="91425">
+            <a:spAutoFit/>
+          </a:bodyPr>
+          <a:lstStyle/>
+          <a:p>
+            <a:pPr indent="0" lvl="0" marL="0" rtl="0" algn="l">
+              <a:spcBef>
+                <a:spcPts val="0"/>
+              </a:spcBef>
+              <a:spcAft>
+                <a:spcPts val="0"/>
+              </a:spcAft>
+              <a:buNone/>
+            </a:pPr>
+            <a:r>
+              <a:rPr lang="en">
+                <a:latin typeface="Courier New"/>
+                <a:ea typeface="Courier New"/>
+                <a:cs typeface="Courier New"/>
+                <a:sym typeface="Courier New"/>
+              </a:rPr>
+              <a:t>1-viewport-example.html</a:t>
+            </a:r>
+            <a:endParaRPr>
+              <a:latin typeface="Courier New"/>
+              <a:ea typeface="Courier New"/>
+              <a:cs typeface="Courier New"/>
+              <a:sym typeface="Courier New"/>
+            </a:endParaRPr>
+          </a:p>
+          <a:p>
+            <a:pPr indent="0" lvl="0" marL="0" rtl="0" algn="l">
+              <a:spcBef>
+                <a:spcPts val="0"/>
+              </a:spcBef>
+              <a:spcAft>
+                <a:spcPts val="0"/>
+              </a:spcAft>
+              <a:buNone/>
+            </a:pPr>
+            <a:r>
+              <a:rPr lang="en">
+                <a:solidFill>
+                  <a:schemeClr val="dk1"/>
+                </a:solidFill>
+                <a:latin typeface="Courier New"/>
+                <a:ea typeface="Courier New"/>
+                <a:cs typeface="Courier New"/>
+                <a:sym typeface="Courier New"/>
+              </a:rPr>
+              <a:t>1-image-resize-example.html</a:t>
+            </a:r>
+            <a:endParaRPr>
+              <a:latin typeface="Courier New"/>
+              <a:ea typeface="Courier New"/>
+              <a:cs typeface="Courier New"/>
+              <a:sym typeface="Courier New"/>
             </a:endParaRPr>
           </a:p>
         </p:txBody>
@@ -17604,7 +18184,7 @@
   <p:cSld>
     <p:spTree>
       <p:nvGrpSpPr>
-        <p:cNvPr id="107" name="Shape 107"/>
+        <p:cNvPr id="108" name="Shape 108"/>
         <p:cNvGrpSpPr/>
         <p:nvPr/>
       </p:nvGrpSpPr>
@@ -17618,7 +18198,7 @@
       </p:grpSpPr>
       <p:sp>
         <p:nvSpPr>
-          <p:cNvPr id="108" name="Google Shape;108;g2fd87296955_0_77"/>
+          <p:cNvPr id="109" name="Google Shape;109;g2fd87296955_0_77"/>
           <p:cNvSpPr txBox="1"/>
           <p:nvPr>
             <p:ph type="title"/>
@@ -17676,7 +18256,7 @@
       </p:sp>
       <p:pic>
         <p:nvPicPr>
-          <p:cNvPr id="109" name="Google Shape;109;g2fd87296955_0_77"/>
+          <p:cNvPr id="110" name="Google Shape;110;g2fd87296955_0_77"/>
           <p:cNvPicPr preferRelativeResize="0"/>
           <p:nvPr/>
         </p:nvPicPr>
@@ -17703,7 +18283,7 @@
       </p:pic>
       <p:sp>
         <p:nvSpPr>
-          <p:cNvPr id="110" name="Google Shape;110;g2fd87296955_0_77"/>
+          <p:cNvPr id="111" name="Google Shape;111;g2fd87296955_0_77"/>
           <p:cNvSpPr txBox="1"/>
           <p:nvPr/>
         </p:nvSpPr>
@@ -18156,6 +18736,58 @@
           </a:p>
         </p:txBody>
       </p:sp>
+      <p:sp>
+        <p:nvSpPr>
+          <p:cNvPr id="112" name="Google Shape;112;g2fd87296955_0_77"/>
+          <p:cNvSpPr txBox="1"/>
+          <p:nvPr/>
+        </p:nvSpPr>
+        <p:spPr>
+          <a:xfrm>
+            <a:off x="6376825" y="0"/>
+            <a:ext cx="2767200" cy="400200"/>
+          </a:xfrm>
+          <a:prstGeom prst="rect">
+            <a:avLst/>
+          </a:prstGeom>
+          <a:noFill/>
+          <a:ln>
+            <a:noFill/>
+          </a:ln>
+        </p:spPr>
+        <p:txBody>
+          <a:bodyPr anchorCtr="0" anchor="t" bIns="91425" lIns="91425" spcFirstLastPara="1" rIns="91425" wrap="square" tIns="91425">
+            <a:spAutoFit/>
+          </a:bodyPr>
+          <a:lstStyle/>
+          <a:p>
+            <a:pPr indent="0" lvl="0" marL="0" marR="0" rtl="0" algn="l">
+              <a:spcBef>
+                <a:spcPts val="0"/>
+              </a:spcBef>
+              <a:spcAft>
+                <a:spcPts val="0"/>
+              </a:spcAft>
+              <a:buNone/>
+            </a:pPr>
+            <a:r>
+              <a:rPr lang="en">
+                <a:latin typeface="Courier New"/>
+                <a:ea typeface="Courier New"/>
+                <a:cs typeface="Courier New"/>
+                <a:sym typeface="Courier New"/>
+              </a:rPr>
+              <a:t>2-grid-view-example.html</a:t>
+            </a:r>
+            <a:endParaRPr>
+              <a:latin typeface="Courier New"/>
+              <a:ea typeface="Courier New"/>
+              <a:cs typeface="Courier New"/>
+              <a:sym typeface="Courier New"/>
+            </a:endParaRPr>
+          </a:p>
+        </p:txBody>
+      </p:sp>
     </p:spTree>
   </p:cSld>
   <p:clrMapOvr>
@@ -18165,6 +18797,285 @@
 </file>
 
 <file path=ppt/theme/theme1.xml><?xml version="1.0" encoding="utf-8"?>
+<a:theme xmlns:a="http://schemas.openxmlformats.org/drawingml/2006/main" xmlns:r="http://schemas.openxmlformats.org/officeDocument/2006/relationships" name="Simple Light">
+  <a:themeElements>
+    <a:clrScheme name="Simple Light">
+      <a:dk1>
+        <a:srgbClr val="000000"/>
+      </a:dk1>
+      <a:lt1>
+        <a:srgbClr val="FFFFFF"/>
+      </a:lt1>
+      <a:dk2>
+        <a:srgbClr val="595959"/>
+      </a:dk2>
+      <a:lt2>
+        <a:srgbClr val="EEEEEE"/>
+      </a:lt2>
+      <a:accent1>
+        <a:srgbClr val="4285F4"/>
+      </a:accent1>
+      <a:accent2>
+        <a:srgbClr val="212121"/>
+      </a:accent2>
+      <a:accent3>
+        <a:srgbClr val="78909C"/>
+      </a:accent3>
+      <a:accent4>
+        <a:srgbClr val="FFAB40"/>
+      </a:accent4>
+      <a:accent5>
+        <a:srgbClr val="0097A7"/>
+      </a:accent5>
+      <a:accent6>
+        <a:srgbClr val="EEFF41"/>
+      </a:accent6>
+      <a:hlink>
+        <a:srgbClr val="0097A7"/>
+      </a:hlink>
+      <a:folHlink>
+        <a:srgbClr val="0097A7"/>
+      </a:folHlink>
+    </a:clrScheme>
+    <a:fontScheme name="Office">
+      <a:majorFont>
+        <a:latin typeface="Arial"/>
+        <a:ea typeface=""/>
+        <a:cs typeface=""/>
+        <a:font script="Jpan" typeface="ＭＳ Ｐゴシック"/>
+        <a:font script="Hang" typeface="맑은 고딕"/>
+        <a:font script="Hans" typeface="宋体"/>
+        <a:font script="Hant" typeface="新細明體"/>
+        <a:font script="Arab" typeface="Times New Roman"/>
+        <a:font script="Hebr" typeface="Times New Roman"/>
+        <a:font script="Thai" typeface="Angsana New"/>
+        <a:font script="Ethi" typeface="Nyala"/>
+        <a:font script="Beng" typeface="Vrinda"/>
+        <a:font script="Gujr" typeface="Shruti"/>
+        <a:font script="Khmr" typeface="MoolBoran"/>
+        <a:font script="Knda" typeface="Tunga"/>
+        <a:font script="Guru" typeface="Raavi"/>
+        <a:font script="Cans" typeface="Euphemia"/>
+        <a:font script="Cher" typeface="Plantagenet Cherokee"/>
+        <a:font script="Yiii" typeface="Microsoft Yi Baiti"/>
+        <a:font script="Tibt" typeface="Microsoft Himalaya"/>
+        <a:font script="Thaa" typeface="MV Boli"/>
+        <a:font script="Deva" typeface="Mangal"/>
+        <a:font script="Telu" typeface="Gautami"/>
+        <a:font script="Taml" typeface="Latha"/>
+        <a:font script="Syrc" typeface="Estrangelo Edessa"/>
+        <a:font script="Orya" typeface="Kalinga"/>
+        <a:font script="Mlym" typeface="Kartika"/>
+        <a:font script="Laoo" typeface="DokChampa"/>
+        <a:font script="Sinh" typeface="Iskoola Pota"/>
+        <a:font script="Mong" typeface="Mongolian Baiti"/>
+        <a:font script="Viet" typeface="Times New Roman"/>
+        <a:font script="Uigh" typeface="Microsoft Uighur"/>
+        <a:font script="Geor" typeface="Sylfaen"/>
+      </a:majorFont>
+      <a:minorFont>
+        <a:latin typeface="Arial"/>
+        <a:ea typeface=""/>
+        <a:cs typeface=""/>
+        <a:font script="Jpan" typeface="ＭＳ Ｐゴシック"/>
+        <a:font script="Hang" typeface="맑은 고딕"/>
+        <a:font script="Hans" typeface="宋体"/>
+        <a:font script="Hant" typeface="新細明體"/>
+        <a:font script="Arab" typeface="Arial"/>
+        <a:font script="Hebr" typeface="Arial"/>
+        <a:font script="Thai" typeface="Cordia New"/>
+        <a:font script="Ethi" typeface="Nyala"/>
+        <a:font script="Beng" typeface="Vrinda"/>
+        <a:font script="Gujr" typeface="Shruti"/>
+        <a:font script="Khmr" typeface="DaunPenh"/>
+        <a:font script="Knda" typeface="Tunga"/>
+        <a:font script="Guru" typeface="Raavi"/>
+        <a:font script="Cans" typeface="Euphemia"/>
+        <a:font script="Cher" typeface="Plantagenet Cherokee"/>
+        <a:font script="Yiii" typeface="Microsoft Yi Baiti"/>
+        <a:font script="Tibt" typeface="Microsoft Himalaya"/>
+        <a:font script="Thaa" typeface="MV Boli"/>
+        <a:font script="Deva" typeface="Mangal"/>
+        <a:font script="Telu" typeface="Gautami"/>
+        <a:font script="Taml" typeface="Latha"/>
+        <a:font script="Syrc" typeface="Estrangelo Edessa"/>
+        <a:font script="Orya" typeface="Kalinga"/>
+        <a:font script="Mlym" typeface="Kartika"/>
+        <a:font script="Laoo" typeface="DokChampa"/>
+        <a:font script="Sinh" typeface="Iskoola Pota"/>
+        <a:font script="Mong" typeface="Mongolian Baiti"/>
+        <a:font script="Viet" typeface="Arial"/>
+        <a:font script="Uigh" typeface="Microsoft Uighur"/>
+        <a:font script="Geor" typeface="Sylfaen"/>
+      </a:minorFont>
+    </a:fontScheme>
+    <a:fmtScheme name="Office">
+      <a:fillStyleLst>
+        <a:solidFill>
+          <a:schemeClr val="phClr"/>
+        </a:solidFill>
+        <a:gradFill rotWithShape="1">
+          <a:gsLst>
+            <a:gs pos="0">
+              <a:schemeClr val="phClr">
+                <a:tint val="50000"/>
+                <a:satMod val="300000"/>
+              </a:schemeClr>
+            </a:gs>
+            <a:gs pos="35000">
+              <a:schemeClr val="phClr">
+                <a:tint val="37000"/>
+                <a:satMod val="300000"/>
+              </a:schemeClr>
+            </a:gs>
+            <a:gs pos="100000">
+              <a:schemeClr val="phClr">
+                <a:tint val="15000"/>
+                <a:satMod val="350000"/>
+              </a:schemeClr>
+            </a:gs>
+          </a:gsLst>
+          <a:lin ang="16200000" scaled="1"/>
+        </a:gradFill>
+        <a:gradFill rotWithShape="1">
+          <a:gsLst>
+            <a:gs pos="0">
+              <a:schemeClr val="phClr">
+                <a:tint val="100000"/>
+                <a:shade val="100000"/>
+                <a:satMod val="130000"/>
+              </a:schemeClr>
+            </a:gs>
+            <a:gs pos="100000">
+              <a:schemeClr val="phClr">
+                <a:tint val="50000"/>
+                <a:shade val="100000"/>
+                <a:satMod val="350000"/>
+              </a:schemeClr>
+            </a:gs>
+          </a:gsLst>
+          <a:lin ang="16200000" scaled="0"/>
+        </a:gradFill>
+      </a:fillStyleLst>
+      <a:lnStyleLst>
+        <a:ln w="9525" cap="flat" cmpd="sng" algn="ctr">
+          <a:solidFill>
+            <a:schemeClr val="phClr">
+              <a:shade val="95000"/>
+              <a:satMod val="105000"/>
+            </a:schemeClr>
+          </a:solidFill>
+          <a:prstDash val="solid"/>
+        </a:ln>
+        <a:ln w="25400" cap="flat" cmpd="sng" algn="ctr">
+          <a:solidFill>
+            <a:schemeClr val="phClr"/>
+          </a:solidFill>
+          <a:prstDash val="solid"/>
+        </a:ln>
+        <a:ln w="38100" cap="flat" cmpd="sng" algn="ctr">
+          <a:solidFill>
+            <a:schemeClr val="phClr"/>
+          </a:solidFill>
+          <a:prstDash val="solid"/>
+        </a:ln>
+      </a:lnStyleLst>
+      <a:effectStyleLst>
+        <a:effectStyle>
+          <a:effectLst>
+            <a:outerShdw blurRad="40000" dist="20000" dir="5400000" rotWithShape="0">
+              <a:srgbClr val="000000">
+                <a:alpha val="38000"/>
+              </a:srgbClr>
+            </a:outerShdw>
+          </a:effectLst>
+        </a:effectStyle>
+        <a:effectStyle>
+          <a:effectLst>
+            <a:outerShdw blurRad="40000" dist="23000" dir="5400000" rotWithShape="0">
+              <a:srgbClr val="000000">
+                <a:alpha val="35000"/>
+              </a:srgbClr>
+            </a:outerShdw>
+          </a:effectLst>
+        </a:effectStyle>
+        <a:effectStyle>
+          <a:effectLst>
+            <a:outerShdw blurRad="40000" dist="23000" dir="5400000" rotWithShape="0">
+              <a:srgbClr val="000000">
+                <a:alpha val="35000"/>
+              </a:srgbClr>
+            </a:outerShdw>
+          </a:effectLst>
+          <a:scene3d>
+            <a:camera prst="orthographicFront">
+              <a:rot lat="0" lon="0" rev="0"/>
+            </a:camera>
+            <a:lightRig rig="threePt" dir="t">
+              <a:rot lat="0" lon="0" rev="1200000"/>
+            </a:lightRig>
+          </a:scene3d>
+          <a:sp3d>
+            <a:bevelT w="63500" h="25400"/>
+          </a:sp3d>
+        </a:effectStyle>
+      </a:effectStyleLst>
+      <a:bgFillStyleLst>
+        <a:solidFill>
+          <a:schemeClr val="phClr"/>
+        </a:solidFill>
+        <a:gradFill rotWithShape="1">
+          <a:gsLst>
+            <a:gs pos="0">
+              <a:schemeClr val="phClr">
+                <a:tint val="40000"/>
+                <a:satMod val="350000"/>
+              </a:schemeClr>
+            </a:gs>
+            <a:gs pos="40000">
+              <a:schemeClr val="phClr">
+                <a:tint val="45000"/>
+                <a:shade val="99000"/>
+                <a:satMod val="350000"/>
+              </a:schemeClr>
+            </a:gs>
+            <a:gs pos="100000">
+              <a:schemeClr val="phClr">
+                <a:shade val="20000"/>
+                <a:satMod val="255000"/>
+              </a:schemeClr>
+            </a:gs>
+          </a:gsLst>
+          <a:path path="circle">
+            <a:fillToRect l="50000" t="-80000" r="50000" b="180000"/>
+          </a:path>
+        </a:gradFill>
+        <a:gradFill rotWithShape="1">
+          <a:gsLst>
+            <a:gs pos="0">
+              <a:schemeClr val="phClr">
+                <a:tint val="80000"/>
+                <a:satMod val="300000"/>
+              </a:schemeClr>
+            </a:gs>
+            <a:gs pos="100000">
+              <a:schemeClr val="phClr">
+                <a:shade val="30000"/>
+                <a:satMod val="200000"/>
+              </a:schemeClr>
+            </a:gs>
+          </a:gsLst>
+          <a:path path="circle">
+            <a:fillToRect l="50000" t="50000" r="50000" b="50000"/>
+          </a:path>
+        </a:gradFill>
+      </a:bgFillStyleLst>
+    </a:fmtScheme>
+  </a:themeElements>
+</a:theme>
+</file>
+
+<file path=ppt/theme/theme2.xml><?xml version="1.0" encoding="utf-8"?>
 <a:theme xmlns:a="http://schemas.openxmlformats.org/drawingml/2006/main" xmlns:r="http://schemas.openxmlformats.org/officeDocument/2006/relationships">
   <a:themeElements>
     <a:clrScheme name="Default">
@@ -18441,283 +19352,4 @@
     </a:fmtScheme>
   </a:themeElements>
 </a:theme>
-</file>
-
-<file path=ppt/theme/theme2.xml><?xml version="1.0" encoding="utf-8"?>
-<a:theme xmlns:a="http://schemas.openxmlformats.org/drawingml/2006/main" xmlns:r="http://schemas.openxmlformats.org/officeDocument/2006/relationships" name="Simple Light">
-  <a:themeElements>
-    <a:clrScheme name="Simple Light">
-      <a:dk1>
-        <a:srgbClr val="000000"/>
-      </a:dk1>
-      <a:lt1>
-        <a:srgbClr val="FFFFFF"/>
-      </a:lt1>
-      <a:dk2>
-        <a:srgbClr val="595959"/>
-      </a:dk2>
-      <a:lt2>
-        <a:srgbClr val="EEEEEE"/>
-      </a:lt2>
-      <a:accent1>
-        <a:srgbClr val="4285F4"/>
-      </a:accent1>
-      <a:accent2>
-        <a:srgbClr val="212121"/>
-      </a:accent2>
-      <a:accent3>
-        <a:srgbClr val="78909C"/>
-      </a:accent3>
-      <a:accent4>
-        <a:srgbClr val="FFAB40"/>
-      </a:accent4>
-      <a:accent5>
-        <a:srgbClr val="0097A7"/>
-      </a:accent5>
-      <a:accent6>
-        <a:srgbClr val="EEFF41"/>
-      </a:accent6>
-      <a:hlink>
-        <a:srgbClr val="0097A7"/>
-      </a:hlink>
-      <a:folHlink>
-        <a:srgbClr val="0097A7"/>
-      </a:folHlink>
-    </a:clrScheme>
-    <a:fontScheme name="Office">
-      <a:majorFont>
-        <a:latin typeface="Arial"/>
-        <a:ea typeface=""/>
-        <a:cs typeface=""/>
-        <a:font script="Jpan" typeface="ＭＳ Ｐゴシック"/>
-        <a:font script="Hang" typeface="맑은 고딕"/>
-        <a:font script="Hans" typeface="宋体"/>
-        <a:font script="Hant" typeface="新細明體"/>
-        <a:font script="Arab" typeface="Times New Roman"/>
-        <a:font script="Hebr" typeface="Times New Roman"/>
-        <a:font script="Thai" typeface="Angsana New"/>
-        <a:font script="Ethi" typeface="Nyala"/>
-        <a:font script="Beng" typeface="Vrinda"/>
-        <a:font script="Gujr" typeface="Shruti"/>
-        <a:font script="Khmr" typeface="MoolBoran"/>
-        <a:font script="Knda" typeface="Tunga"/>
-        <a:font script="Guru" typeface="Raavi"/>
-        <a:font script="Cans" typeface="Euphemia"/>
-        <a:font script="Cher" typeface="Plantagenet Cherokee"/>
-        <a:font script="Yiii" typeface="Microsoft Yi Baiti"/>
-        <a:font script="Tibt" typeface="Microsoft Himalaya"/>
-        <a:font script="Thaa" typeface="MV Boli"/>
-        <a:font script="Deva" typeface="Mangal"/>
-        <a:font script="Telu" typeface="Gautami"/>
-        <a:font script="Taml" typeface="Latha"/>
-        <a:font script="Syrc" typeface="Estrangelo Edessa"/>
-        <a:font script="Orya" typeface="Kalinga"/>
-        <a:font script="Mlym" typeface="Kartika"/>
-        <a:font script="Laoo" typeface="DokChampa"/>
-        <a:font script="Sinh" typeface="Iskoola Pota"/>
-        <a:font script="Mong" typeface="Mongolian Baiti"/>
-        <a:font script="Viet" typeface="Times New Roman"/>
-        <a:font script="Uigh" typeface="Microsoft Uighur"/>
-        <a:font script="Geor" typeface="Sylfaen"/>
-      </a:majorFont>
-      <a:minorFont>
-        <a:latin typeface="Arial"/>
-        <a:ea typeface=""/>
-        <a:cs typeface=""/>
-        <a:font script="Jpan" typeface="ＭＳ Ｐゴシック"/>
-        <a:font script="Hang" typeface="맑은 고딕"/>
-        <a:font script="Hans" typeface="宋体"/>
-        <a:font script="Hant" typeface="新細明體"/>
-        <a:font script="Arab" typeface="Arial"/>
-        <a:font script="Hebr" typeface="Arial"/>
-        <a:font script="Thai" typeface="Cordia New"/>
-        <a:font script="Ethi" typeface="Nyala"/>
-        <a:font script="Beng" typeface="Vrinda"/>
-        <a:font script="Gujr" typeface="Shruti"/>
-        <a:font script="Khmr" typeface="DaunPenh"/>
-        <a:font script="Knda" typeface="Tunga"/>
-        <a:font script="Guru" typeface="Raavi"/>
-        <a:font script="Cans" typeface="Euphemia"/>
-        <a:font script="Cher" typeface="Plantagenet Cherokee"/>
-        <a:font script="Yiii" typeface="Microsoft Yi Baiti"/>
-        <a:font script="Tibt" typeface="Microsoft Himalaya"/>
-        <a:font script="Thaa" typeface="MV Boli"/>
-        <a:font script="Deva" typeface="Mangal"/>
-        <a:font script="Telu" typeface="Gautami"/>
-        <a:font script="Taml" typeface="Latha"/>
-        <a:font script="Syrc" typeface="Estrangelo Edessa"/>
-        <a:font script="Orya" typeface="Kalinga"/>
-        <a:font script="Mlym" typeface="Kartika"/>
-        <a:font script="Laoo" typeface="DokChampa"/>
-        <a:font script="Sinh" typeface="Iskoola Pota"/>
-        <a:font script="Mong" typeface="Mongolian Baiti"/>
-        <a:font script="Viet" typeface="Arial"/>
-        <a:font script="Uigh" typeface="Microsoft Uighur"/>
-        <a:font script="Geor" typeface="Sylfaen"/>
-      </a:minorFont>
-    </a:fontScheme>
-    <a:fmtScheme name="Office">
-      <a:fillStyleLst>
-        <a:solidFill>
-          <a:schemeClr val="phClr"/>
-        </a:solidFill>
-        <a:gradFill rotWithShape="1">
-          <a:gsLst>
-            <a:gs pos="0">
-              <a:schemeClr val="phClr">
-                <a:tint val="50000"/>
-                <a:satMod val="300000"/>
-              </a:schemeClr>
-            </a:gs>
-            <a:gs pos="35000">
-              <a:schemeClr val="phClr">
-                <a:tint val="37000"/>
-                <a:satMod val="300000"/>
-              </a:schemeClr>
-            </a:gs>
-            <a:gs pos="100000">
-              <a:schemeClr val="phClr">
-                <a:tint val="15000"/>
-                <a:satMod val="350000"/>
-              </a:schemeClr>
-            </a:gs>
-          </a:gsLst>
-          <a:lin ang="16200000" scaled="1"/>
-        </a:gradFill>
-        <a:gradFill rotWithShape="1">
-          <a:gsLst>
-            <a:gs pos="0">
-              <a:schemeClr val="phClr">
-                <a:tint val="100000"/>
-                <a:shade val="100000"/>
-                <a:satMod val="130000"/>
-              </a:schemeClr>
-            </a:gs>
-            <a:gs pos="100000">
-              <a:schemeClr val="phClr">
-                <a:tint val="50000"/>
-                <a:shade val="100000"/>
-                <a:satMod val="350000"/>
-              </a:schemeClr>
-            </a:gs>
-          </a:gsLst>
-          <a:lin ang="16200000" scaled="0"/>
-        </a:gradFill>
-      </a:fillStyleLst>
-      <a:lnStyleLst>
-        <a:ln w="9525" cap="flat" cmpd="sng" algn="ctr">
-          <a:solidFill>
-            <a:schemeClr val="phClr">
-              <a:shade val="95000"/>
-              <a:satMod val="105000"/>
-            </a:schemeClr>
-          </a:solidFill>
-          <a:prstDash val="solid"/>
-        </a:ln>
-        <a:ln w="25400" cap="flat" cmpd="sng" algn="ctr">
-          <a:solidFill>
-            <a:schemeClr val="phClr"/>
-          </a:solidFill>
-          <a:prstDash val="solid"/>
-        </a:ln>
-        <a:ln w="38100" cap="flat" cmpd="sng" algn="ctr">
-          <a:solidFill>
-            <a:schemeClr val="phClr"/>
-          </a:solidFill>
-          <a:prstDash val="solid"/>
-        </a:ln>
-      </a:lnStyleLst>
-      <a:effectStyleLst>
-        <a:effectStyle>
-          <a:effectLst>
-            <a:outerShdw blurRad="40000" dist="20000" dir="5400000" rotWithShape="0">
-              <a:srgbClr val="000000">
-                <a:alpha val="38000"/>
-              </a:srgbClr>
-            </a:outerShdw>
-          </a:effectLst>
-        </a:effectStyle>
-        <a:effectStyle>
-          <a:effectLst>
-            <a:outerShdw blurRad="40000" dist="23000" dir="5400000" rotWithShape="0">
-              <a:srgbClr val="000000">
-                <a:alpha val="35000"/>
-              </a:srgbClr>
-            </a:outerShdw>
-          </a:effectLst>
-        </a:effectStyle>
-        <a:effectStyle>
-          <a:effectLst>
-            <a:outerShdw blurRad="40000" dist="23000" dir="5400000" rotWithShape="0">
-              <a:srgbClr val="000000">
-                <a:alpha val="35000"/>
-              </a:srgbClr>
-            </a:outerShdw>
-          </a:effectLst>
-          <a:scene3d>
-            <a:camera prst="orthographicFront">
-              <a:rot lat="0" lon="0" rev="0"/>
-            </a:camera>
-            <a:lightRig rig="threePt" dir="t">
-              <a:rot lat="0" lon="0" rev="1200000"/>
-            </a:lightRig>
-          </a:scene3d>
-          <a:sp3d>
-            <a:bevelT w="63500" h="25400"/>
-          </a:sp3d>
-        </a:effectStyle>
-      </a:effectStyleLst>
-      <a:bgFillStyleLst>
-        <a:solidFill>
-          <a:schemeClr val="phClr"/>
-        </a:solidFill>
-        <a:gradFill rotWithShape="1">
-          <a:gsLst>
-            <a:gs pos="0">
-              <a:schemeClr val="phClr">
-                <a:tint val="40000"/>
-                <a:satMod val="350000"/>
-              </a:schemeClr>
-            </a:gs>
-            <a:gs pos="40000">
-              <a:schemeClr val="phClr">
-                <a:tint val="45000"/>
-                <a:shade val="99000"/>
-                <a:satMod val="350000"/>
-              </a:schemeClr>
-            </a:gs>
-            <a:gs pos="100000">
-              <a:schemeClr val="phClr">
-                <a:shade val="20000"/>
-                <a:satMod val="255000"/>
-              </a:schemeClr>
-            </a:gs>
-          </a:gsLst>
-          <a:path path="circle">
-            <a:fillToRect l="50000" t="-80000" r="50000" b="180000"/>
-          </a:path>
-        </a:gradFill>
-        <a:gradFill rotWithShape="1">
-          <a:gsLst>
-            <a:gs pos="0">
-              <a:schemeClr val="phClr">
-                <a:tint val="80000"/>
-                <a:satMod val="300000"/>
-              </a:schemeClr>
-            </a:gs>
-            <a:gs pos="100000">
-              <a:schemeClr val="phClr">
-                <a:shade val="30000"/>
-                <a:satMod val="200000"/>
-              </a:schemeClr>
-            </a:gs>
-          </a:gsLst>
-          <a:path path="circle">
-            <a:fillToRect l="50000" t="50000" r="50000" b="50000"/>
-          </a:path>
-        </a:gradFill>
-      </a:bgFillStyleLst>
-    </a:fmtScheme>
-  </a:themeElements>
-</a:theme>
 </file>